--- a/template.pptx
+++ b/template.pptx
@@ -4,14 +4,14 @@
   <p:sldMasterIdLst>
     <p:sldMasterId id="2147483648" r:id="rId1"/>
   </p:sldMasterIdLst>
-  <p:sldSz cx="12192000" cy="6858000"/>
+  <p:sldSz cx="9144000" cy="5143500" type="screen16x9"/>
   <p:notesSz cx="6858000" cy="9144000"/>
   <p:defaultTextStyle>
     <a:defPPr>
       <a:defRPr lang="en-US"/>
     </a:defPPr>
-    <a:lvl1pPr marL="0" algn="l" defTabSz="457200" rtl="0" eaLnBrk="1" latinLnBrk="0" hangingPunct="1">
-      <a:defRPr sz="1800" kern="1200">
+    <a:lvl1pPr marL="0" algn="l" defTabSz="342900" rtl="0" eaLnBrk="1" latinLnBrk="0" hangingPunct="1">
+      <a:defRPr sz="1350" kern="1200">
         <a:solidFill>
           <a:schemeClr val="tx1"/>
         </a:solidFill>
@@ -20,8 +20,8 @@
         <a:cs typeface="+mn-cs"/>
       </a:defRPr>
     </a:lvl1pPr>
-    <a:lvl2pPr marL="457200" algn="l" defTabSz="457200" rtl="0" eaLnBrk="1" latinLnBrk="0" hangingPunct="1">
-      <a:defRPr sz="1800" kern="1200">
+    <a:lvl2pPr marL="342900" algn="l" defTabSz="342900" rtl="0" eaLnBrk="1" latinLnBrk="0" hangingPunct="1">
+      <a:defRPr sz="1350" kern="1200">
         <a:solidFill>
           <a:schemeClr val="tx1"/>
         </a:solidFill>
@@ -30,8 +30,8 @@
         <a:cs typeface="+mn-cs"/>
       </a:defRPr>
     </a:lvl2pPr>
-    <a:lvl3pPr marL="914400" algn="l" defTabSz="457200" rtl="0" eaLnBrk="1" latinLnBrk="0" hangingPunct="1">
-      <a:defRPr sz="1800" kern="1200">
+    <a:lvl3pPr marL="685800" algn="l" defTabSz="342900" rtl="0" eaLnBrk="1" latinLnBrk="0" hangingPunct="1">
+      <a:defRPr sz="1350" kern="1200">
         <a:solidFill>
           <a:schemeClr val="tx1"/>
         </a:solidFill>
@@ -40,8 +40,8 @@
         <a:cs typeface="+mn-cs"/>
       </a:defRPr>
     </a:lvl3pPr>
-    <a:lvl4pPr marL="1371600" algn="l" defTabSz="457200" rtl="0" eaLnBrk="1" latinLnBrk="0" hangingPunct="1">
-      <a:defRPr sz="1800" kern="1200">
+    <a:lvl4pPr marL="1028700" algn="l" defTabSz="342900" rtl="0" eaLnBrk="1" latinLnBrk="0" hangingPunct="1">
+      <a:defRPr sz="1350" kern="1200">
         <a:solidFill>
           <a:schemeClr val="tx1"/>
         </a:solidFill>
@@ -50,8 +50,8 @@
         <a:cs typeface="+mn-cs"/>
       </a:defRPr>
     </a:lvl4pPr>
-    <a:lvl5pPr marL="1828800" algn="l" defTabSz="457200" rtl="0" eaLnBrk="1" latinLnBrk="0" hangingPunct="1">
-      <a:defRPr sz="1800" kern="1200">
+    <a:lvl5pPr marL="1371600" algn="l" defTabSz="342900" rtl="0" eaLnBrk="1" latinLnBrk="0" hangingPunct="1">
+      <a:defRPr sz="1350" kern="1200">
         <a:solidFill>
           <a:schemeClr val="tx1"/>
         </a:solidFill>
@@ -60,8 +60,8 @@
         <a:cs typeface="+mn-cs"/>
       </a:defRPr>
     </a:lvl5pPr>
-    <a:lvl6pPr marL="2286000" algn="l" defTabSz="457200" rtl="0" eaLnBrk="1" latinLnBrk="0" hangingPunct="1">
-      <a:defRPr sz="1800" kern="1200">
+    <a:lvl6pPr marL="1714500" algn="l" defTabSz="342900" rtl="0" eaLnBrk="1" latinLnBrk="0" hangingPunct="1">
+      <a:defRPr sz="1350" kern="1200">
         <a:solidFill>
           <a:schemeClr val="tx1"/>
         </a:solidFill>
@@ -70,8 +70,8 @@
         <a:cs typeface="+mn-cs"/>
       </a:defRPr>
     </a:lvl6pPr>
-    <a:lvl7pPr marL="2743200" algn="l" defTabSz="457200" rtl="0" eaLnBrk="1" latinLnBrk="0" hangingPunct="1">
-      <a:defRPr sz="1800" kern="1200">
+    <a:lvl7pPr marL="2057400" algn="l" defTabSz="342900" rtl="0" eaLnBrk="1" latinLnBrk="0" hangingPunct="1">
+      <a:defRPr sz="1350" kern="1200">
         <a:solidFill>
           <a:schemeClr val="tx1"/>
         </a:solidFill>
@@ -80,8 +80,8 @@
         <a:cs typeface="+mn-cs"/>
       </a:defRPr>
     </a:lvl7pPr>
-    <a:lvl8pPr marL="3200400" algn="l" defTabSz="457200" rtl="0" eaLnBrk="1" latinLnBrk="0" hangingPunct="1">
-      <a:defRPr sz="1800" kern="1200">
+    <a:lvl8pPr marL="2400300" algn="l" defTabSz="342900" rtl="0" eaLnBrk="1" latinLnBrk="0" hangingPunct="1">
+      <a:defRPr sz="1350" kern="1200">
         <a:solidFill>
           <a:schemeClr val="tx1"/>
         </a:solidFill>
@@ -90,8 +90,8 @@
         <a:cs typeface="+mn-cs"/>
       </a:defRPr>
     </a:lvl8pPr>
-    <a:lvl9pPr marL="3657600" algn="l" defTabSz="457200" rtl="0" eaLnBrk="1" latinLnBrk="0" hangingPunct="1">
-      <a:defRPr sz="1800" kern="1200">
+    <a:lvl9pPr marL="2743200" algn="l" defTabSz="342900" rtl="0" eaLnBrk="1" latinLnBrk="0" hangingPunct="1">
+      <a:defRPr sz="1350" kern="1200">
         <a:solidFill>
           <a:schemeClr val="tx1"/>
         </a:solidFill>
@@ -104,12 +104,12 @@
   <p:extLst>
     <p:ext uri="{EFAFB233-063F-42B5-8137-9DF3F51BA10A}">
       <p15:sldGuideLst xmlns:p15="http://schemas.microsoft.com/office/powerpoint/2012/main">
-        <p15:guide id="1" orient="horz" pos="2160" userDrawn="1">
+        <p15:guide id="1" orient="horz" pos="1620" userDrawn="1">
           <p15:clr>
             <a:srgbClr val="A4A3A4"/>
           </p15:clr>
         </p15:guide>
-        <p15:guide id="2" pos="3840" userDrawn="1">
+        <p15:guide id="2" pos="2880" userDrawn="1">
           <p15:clr>
             <a:srgbClr val="A4A3A4"/>
           </p15:clr>
@@ -139,7 +139,13 @@
       </p:grpSpPr>
       <p:sp>
         <p:nvSpPr>
-          <p:cNvPr id="2" name="Title 1"/>
+          <p:cNvPr id="6" name="제목 5">
+            <a:extLst>
+              <a:ext uri="{FF2B5EF4-FFF2-40B4-BE49-F238E27FC236}">
+                <a16:creationId xmlns:a16="http://schemas.microsoft.com/office/drawing/2014/main" id="{66B9C629-78F0-3176-9A14-3D2819A1CE7F}"/>
+              </a:ext>
+            </a:extLst>
+          </p:cNvPr>
           <p:cNvSpPr>
             <a:spLocks noGrp="1"/>
           </p:cNvSpPr>
@@ -147,23 +153,20 @@
             <p:ph type="title" hasCustomPrompt="1"/>
           </p:nvPr>
         </p:nvSpPr>
-        <p:spPr>
-          <a:xfrm>
-            <a:off x="0" y="0"/>
-            <a:ext cx="10363200" cy="1362075"/>
-          </a:xfrm>
-        </p:spPr>
+        <p:spPr/>
         <p:txBody>
-          <a:bodyPr anchor="t"/>
+          <a:bodyPr>
+            <a:normAutofit/>
+          </a:bodyPr>
           <a:lstStyle>
             <a:lvl1pPr algn="l">
-              <a:defRPr sz="4000" b="0" cap="all"/>
+              <a:defRPr sz="2700"/>
             </a:lvl1pPr>
           </a:lstStyle>
           <a:p>
             <a:r>
-              <a:rPr lang="en-US" dirty="0" smtClean="0"/>
-              <a:t>Click to edit TITLE</a:t>
+              <a:rPr lang="en-US" altLang="ko-KR" dirty="0"/>
+              <a:t>Song Title</a:t>
             </a:r>
             <a:endParaRPr lang="en-US" dirty="0"/>
           </a:p>
@@ -179,13 +182,6 @@
   <p:clrMapOvr>
     <a:masterClrMapping/>
   </p:clrMapOvr>
-  <p:timing>
-    <p:tnLst>
-      <p:par>
-        <p:cTn id="1" dur="indefinite" restart="never" nodeType="tmRoot"/>
-      </p:par>
-    </p:tnLst>
-  </p:timing>
 </p:sldLayout>
 </file>
 
@@ -218,112 +214,24 @@
         </p:nvSpPr>
         <p:spPr>
           <a:xfrm>
-            <a:off x="609600" y="4986338"/>
-            <a:ext cx="10972800" cy="1143000"/>
+            <a:off x="0" y="3547872"/>
+            <a:ext cx="9144000" cy="1371600"/>
           </a:xfrm>
         </p:spPr>
         <p:txBody>
-          <a:bodyPr/>
+          <a:bodyPr>
+            <a:normAutofit/>
+          </a:bodyPr>
           <a:lstStyle>
             <a:lvl1pPr>
-              <a:defRPr/>
+              <a:defRPr sz="3600"/>
             </a:lvl1pPr>
           </a:lstStyle>
           <a:p>
             <a:r>
-              <a:rPr lang="en-US" dirty="0" smtClean="0"/>
-              <a:t>Click to edit Subtitle</a:t>
+              <a:rPr lang="en-US" dirty="0"/>
+              <a:t>Subtitle</a:t>
             </a:r>
-            <a:endParaRPr lang="en-US" dirty="0"/>
-          </a:p>
-        </p:txBody>
-      </p:sp>
-      <p:sp>
-        <p:nvSpPr>
-          <p:cNvPr id="3" name="Date Placeholder 2"/>
-          <p:cNvSpPr>
-            <a:spLocks noGrp="1"/>
-          </p:cNvSpPr>
-          <p:nvPr>
-            <p:ph type="dt" sz="half" idx="10"/>
-          </p:nvPr>
-        </p:nvSpPr>
-        <p:spPr>
-          <a:xfrm>
-            <a:off x="609600" y="6356351"/>
-            <a:ext cx="2844800" cy="365125"/>
-          </a:xfrm>
-          <a:prstGeom prst="rect">
-            <a:avLst/>
-          </a:prstGeom>
-        </p:spPr>
-        <p:txBody>
-          <a:bodyPr/>
-          <a:lstStyle/>
-          <a:p>
-            <a:fld id="{5BCAD085-E8A6-8845-BD4E-CB4CCA059FC4}" type="datetimeFigureOut">
-              <a:rPr lang="en-US" smtClean="0"/>
-              <a:t>12/23/2022</a:t>
-            </a:fld>
-            <a:endParaRPr lang="en-US"/>
-          </a:p>
-        </p:txBody>
-      </p:sp>
-      <p:sp>
-        <p:nvSpPr>
-          <p:cNvPr id="4" name="Footer Placeholder 3"/>
-          <p:cNvSpPr>
-            <a:spLocks noGrp="1"/>
-          </p:cNvSpPr>
-          <p:nvPr>
-            <p:ph type="ftr" sz="quarter" idx="11"/>
-          </p:nvPr>
-        </p:nvSpPr>
-        <p:spPr>
-          <a:xfrm>
-            <a:off x="4165600" y="6356351"/>
-            <a:ext cx="3860800" cy="365125"/>
-          </a:xfrm>
-          <a:prstGeom prst="rect">
-            <a:avLst/>
-          </a:prstGeom>
-        </p:spPr>
-        <p:txBody>
-          <a:bodyPr/>
-          <a:lstStyle/>
-          <a:p>
-            <a:endParaRPr lang="en-US"/>
-          </a:p>
-        </p:txBody>
-      </p:sp>
-      <p:sp>
-        <p:nvSpPr>
-          <p:cNvPr id="5" name="Slide Number Placeholder 4"/>
-          <p:cNvSpPr>
-            <a:spLocks noGrp="1"/>
-          </p:cNvSpPr>
-          <p:nvPr>
-            <p:ph type="sldNum" sz="quarter" idx="12"/>
-          </p:nvPr>
-        </p:nvSpPr>
-        <p:spPr>
-          <a:xfrm>
-            <a:off x="8737600" y="6356351"/>
-            <a:ext cx="2844800" cy="365125"/>
-          </a:xfrm>
-          <a:prstGeom prst="rect">
-            <a:avLst/>
-          </a:prstGeom>
-        </p:spPr>
-        <p:txBody>
-          <a:bodyPr/>
-          <a:lstStyle/>
-          <a:p>
-            <a:fld id="{C1FF6DA9-008F-8B48-92A6-B652298478BF}" type="slidenum">
-              <a:rPr lang="en-US" smtClean="0"/>
-              <a:t>‹#›</a:t>
-            </a:fld>
-            <a:endParaRPr lang="en-US"/>
           </a:p>
         </p:txBody>
       </p:sp>
@@ -337,13 +245,6 @@
   <p:clrMapOvr>
     <a:masterClrMapping/>
   </p:clrMapOvr>
-  <p:timing>
-    <p:tnLst>
-      <p:par>
-        <p:cTn id="1" dur="indefinite" restart="never" nodeType="tmRoot"/>
-      </p:par>
-    </p:tnLst>
-  </p:timing>
 </p:sldLayout>
 </file>
 
@@ -384,8 +285,8 @@
         </p:nvSpPr>
         <p:spPr>
           <a:xfrm>
-            <a:off x="609600" y="274638"/>
-            <a:ext cx="10972800" cy="1143000"/>
+            <a:off x="457200" y="205979"/>
+            <a:ext cx="8229600" cy="857250"/>
           </a:xfrm>
           <a:prstGeom prst="rect">
             <a:avLst/>
@@ -398,10 +299,9 @@
           <a:lstStyle/>
           <a:p>
             <a:r>
-              <a:rPr lang="en-US" dirty="0" smtClean="0"/>
+              <a:rPr lang="en-US" dirty="0"/>
               <a:t>Click to edit Master title style</a:t>
             </a:r>
-            <a:endParaRPr lang="en-US" dirty="0"/>
           </a:p>
         </p:txBody>
       </p:sp>
@@ -417,8 +317,8 @@
         </p:nvSpPr>
         <p:spPr>
           <a:xfrm>
-            <a:off x="609600" y="1600201"/>
-            <a:ext cx="10972800" cy="4525963"/>
+            <a:off x="457200" y="1200151"/>
+            <a:ext cx="8229600" cy="3394472"/>
           </a:xfrm>
           <a:prstGeom prst="rect">
             <a:avLst/>
@@ -432,38 +332,37 @@
           <a:p>
             <a:pPr lvl="0"/>
             <a:r>
-              <a:rPr lang="en-US" dirty="0" smtClean="0"/>
+              <a:rPr lang="en-US" dirty="0"/>
               <a:t>Click to edit Master text styles</a:t>
             </a:r>
           </a:p>
           <a:p>
             <a:pPr lvl="1"/>
             <a:r>
-              <a:rPr lang="en-US" dirty="0" smtClean="0"/>
+              <a:rPr lang="en-US" dirty="0"/>
               <a:t>Second level</a:t>
             </a:r>
           </a:p>
           <a:p>
             <a:pPr lvl="2"/>
             <a:r>
-              <a:rPr lang="en-US" dirty="0" smtClean="0"/>
+              <a:rPr lang="en-US" dirty="0"/>
               <a:t>Third level</a:t>
             </a:r>
           </a:p>
           <a:p>
             <a:pPr lvl="3"/>
             <a:r>
-              <a:rPr lang="en-US" dirty="0" smtClean="0"/>
+              <a:rPr lang="en-US" dirty="0"/>
               <a:t>Fourth level</a:t>
             </a:r>
           </a:p>
           <a:p>
             <a:pPr lvl="4"/>
             <a:r>
-              <a:rPr lang="en-US" dirty="0" smtClean="0"/>
+              <a:rPr lang="en-US" dirty="0"/>
               <a:t>Fifth level</a:t>
             </a:r>
-            <a:endParaRPr lang="en-US" dirty="0"/>
           </a:p>
         </p:txBody>
       </p:sp>
@@ -479,8 +378,8 @@
         </p:nvSpPr>
         <p:spPr>
           <a:xfrm>
-            <a:off x="838200" y="6356350"/>
-            <a:ext cx="2743200" cy="365125"/>
+            <a:off x="628650" y="4767263"/>
+            <a:ext cx="2057400" cy="273844"/>
           </a:xfrm>
           <a:prstGeom prst="rect">
             <a:avLst/>
@@ -490,7 +389,7 @@
           <a:bodyPr vert="horz" lIns="91440" tIns="45720" rIns="91440" bIns="45720" rtlCol="0" anchor="ctr"/>
           <a:lstStyle>
             <a:lvl1pPr algn="l">
-              <a:defRPr sz="1200">
+              <a:defRPr sz="900">
                 <a:solidFill>
                   <a:schemeClr val="tx1">
                     <a:tint val="75000"/>
@@ -502,7 +401,7 @@
           <a:p>
             <a:fld id="{22D88EAC-A254-45F7-997A-468C1FF9E595}" type="datetimeFigureOut">
               <a:rPr lang="ko-KR" altLang="en-US" smtClean="0"/>
-              <a:t>2022-12-23</a:t>
+              <a:t>2022-12-24</a:t>
             </a:fld>
             <a:endParaRPr lang="ko-KR" altLang="en-US"/>
           </a:p>
@@ -520,8 +419,8 @@
         </p:nvSpPr>
         <p:spPr>
           <a:xfrm>
-            <a:off x="4038600" y="6356350"/>
-            <a:ext cx="4114800" cy="365125"/>
+            <a:off x="3028950" y="4767263"/>
+            <a:ext cx="3086100" cy="273844"/>
           </a:xfrm>
           <a:prstGeom prst="rect">
             <a:avLst/>
@@ -531,7 +430,7 @@
           <a:bodyPr vert="horz" lIns="91440" tIns="45720" rIns="91440" bIns="45720" rtlCol="0" anchor="ctr"/>
           <a:lstStyle>
             <a:lvl1pPr algn="ctr">
-              <a:defRPr sz="1200">
+              <a:defRPr sz="900">
                 <a:solidFill>
                   <a:schemeClr val="tx1">
                     <a:tint val="75000"/>
@@ -557,8 +456,8 @@
         </p:nvSpPr>
         <p:spPr>
           <a:xfrm>
-            <a:off x="8610600" y="6356350"/>
-            <a:ext cx="2743200" cy="365125"/>
+            <a:off x="6457950" y="4767263"/>
+            <a:ext cx="2057400" cy="273844"/>
           </a:xfrm>
           <a:prstGeom prst="rect">
             <a:avLst/>
@@ -568,7 +467,7 @@
           <a:bodyPr vert="horz" lIns="91440" tIns="45720" rIns="91440" bIns="45720" rtlCol="0" anchor="ctr"/>
           <a:lstStyle>
             <a:lvl1pPr algn="r">
-              <a:defRPr sz="1200">
+              <a:defRPr sz="900">
                 <a:solidFill>
                   <a:schemeClr val="tx1">
                     <a:tint val="75000"/>
@@ -598,21 +497,14 @@
     <p:sldLayoutId id="2147483651" r:id="rId1"/>
     <p:sldLayoutId id="2147483654" r:id="rId2"/>
   </p:sldLayoutIdLst>
-  <p:timing>
-    <p:tnLst>
-      <p:par>
-        <p:cTn id="1" dur="indefinite" restart="never" nodeType="tmRoot"/>
-      </p:par>
-    </p:tnLst>
-  </p:timing>
   <p:txStyles>
     <p:titleStyle>
-      <a:lvl1pPr algn="ctr" defTabSz="457200" rtl="0" eaLnBrk="1" latinLnBrk="0" hangingPunct="1">
+      <a:lvl1pPr algn="ctr" defTabSz="342900" rtl="0" eaLnBrk="1" latinLnBrk="0" hangingPunct="1">
         <a:spcBef>
           <a:spcPct val="0"/>
         </a:spcBef>
         <a:buNone/>
-        <a:defRPr sz="4400" kern="1200">
+        <a:defRPr sz="3300" kern="1200">
           <a:solidFill>
             <a:schemeClr val="tx1"/>
           </a:solidFill>
@@ -623,37 +515,7 @@
       </a:lvl1pPr>
     </p:titleStyle>
     <p:bodyStyle>
-      <a:lvl1pPr marL="342900" indent="-342900" algn="l" defTabSz="457200" rtl="0" eaLnBrk="1" latinLnBrk="0" hangingPunct="1">
-        <a:spcBef>
-          <a:spcPct val="20000"/>
-        </a:spcBef>
-        <a:buFont typeface="Arial"/>
-        <a:buChar char="•"/>
-        <a:defRPr sz="3200" kern="1200">
-          <a:solidFill>
-            <a:schemeClr val="tx1"/>
-          </a:solidFill>
-          <a:latin typeface="+mn-lt"/>
-          <a:ea typeface="+mn-ea"/>
-          <a:cs typeface="+mn-cs"/>
-        </a:defRPr>
-      </a:lvl1pPr>
-      <a:lvl2pPr marL="742950" indent="-285750" algn="l" defTabSz="457200" rtl="0" eaLnBrk="1" latinLnBrk="0" hangingPunct="1">
-        <a:spcBef>
-          <a:spcPct val="20000"/>
-        </a:spcBef>
-        <a:buFont typeface="Arial"/>
-        <a:buChar char="–"/>
-        <a:defRPr sz="2800" kern="1200">
-          <a:solidFill>
-            <a:schemeClr val="tx1"/>
-          </a:solidFill>
-          <a:latin typeface="+mn-lt"/>
-          <a:ea typeface="+mn-ea"/>
-          <a:cs typeface="+mn-cs"/>
-        </a:defRPr>
-      </a:lvl2pPr>
-      <a:lvl3pPr marL="1143000" indent="-228600" algn="l" defTabSz="457200" rtl="0" eaLnBrk="1" latinLnBrk="0" hangingPunct="1">
+      <a:lvl1pPr marL="257175" indent="-257175" algn="l" defTabSz="342900" rtl="0" eaLnBrk="1" latinLnBrk="0" hangingPunct="1">
         <a:spcBef>
           <a:spcPct val="20000"/>
         </a:spcBef>
@@ -667,14 +529,44 @@
           <a:ea typeface="+mn-ea"/>
           <a:cs typeface="+mn-cs"/>
         </a:defRPr>
-      </a:lvl3pPr>
-      <a:lvl4pPr marL="1600200" indent="-228600" algn="l" defTabSz="457200" rtl="0" eaLnBrk="1" latinLnBrk="0" hangingPunct="1">
+      </a:lvl1pPr>
+      <a:lvl2pPr marL="557213" indent="-214313" algn="l" defTabSz="342900" rtl="0" eaLnBrk="1" latinLnBrk="0" hangingPunct="1">
         <a:spcBef>
           <a:spcPct val="20000"/>
         </a:spcBef>
         <a:buFont typeface="Arial"/>
         <a:buChar char="–"/>
-        <a:defRPr sz="2000" kern="1200">
+        <a:defRPr sz="2100" kern="1200">
+          <a:solidFill>
+            <a:schemeClr val="tx1"/>
+          </a:solidFill>
+          <a:latin typeface="+mn-lt"/>
+          <a:ea typeface="+mn-ea"/>
+          <a:cs typeface="+mn-cs"/>
+        </a:defRPr>
+      </a:lvl2pPr>
+      <a:lvl3pPr marL="857250" indent="-171450" algn="l" defTabSz="342900" rtl="0" eaLnBrk="1" latinLnBrk="0" hangingPunct="1">
+        <a:spcBef>
+          <a:spcPct val="20000"/>
+        </a:spcBef>
+        <a:buFont typeface="Arial"/>
+        <a:buChar char="•"/>
+        <a:defRPr sz="1800" kern="1200">
+          <a:solidFill>
+            <a:schemeClr val="tx1"/>
+          </a:solidFill>
+          <a:latin typeface="+mn-lt"/>
+          <a:ea typeface="+mn-ea"/>
+          <a:cs typeface="+mn-cs"/>
+        </a:defRPr>
+      </a:lvl3pPr>
+      <a:lvl4pPr marL="1200150" indent="-171450" algn="l" defTabSz="342900" rtl="0" eaLnBrk="1" latinLnBrk="0" hangingPunct="1">
+        <a:spcBef>
+          <a:spcPct val="20000"/>
+        </a:spcBef>
+        <a:buFont typeface="Arial"/>
+        <a:buChar char="–"/>
+        <a:defRPr sz="1500" kern="1200">
           <a:solidFill>
             <a:schemeClr val="tx1"/>
           </a:solidFill>
@@ -683,13 +575,13 @@
           <a:cs typeface="+mn-cs"/>
         </a:defRPr>
       </a:lvl4pPr>
-      <a:lvl5pPr marL="2057400" indent="-228600" algn="l" defTabSz="457200" rtl="0" eaLnBrk="1" latinLnBrk="0" hangingPunct="1">
+      <a:lvl5pPr marL="1543050" indent="-171450" algn="l" defTabSz="342900" rtl="0" eaLnBrk="1" latinLnBrk="0" hangingPunct="1">
         <a:spcBef>
           <a:spcPct val="20000"/>
         </a:spcBef>
         <a:buFont typeface="Arial"/>
         <a:buChar char="»"/>
-        <a:defRPr sz="2000" kern="1200">
+        <a:defRPr sz="1500" kern="1200">
           <a:solidFill>
             <a:schemeClr val="tx1"/>
           </a:solidFill>
@@ -698,13 +590,13 @@
           <a:cs typeface="+mn-cs"/>
         </a:defRPr>
       </a:lvl5pPr>
-      <a:lvl6pPr marL="2514600" indent="-228600" algn="l" defTabSz="457200" rtl="0" eaLnBrk="1" latinLnBrk="0" hangingPunct="1">
+      <a:lvl6pPr marL="1885950" indent="-171450" algn="l" defTabSz="342900" rtl="0" eaLnBrk="1" latinLnBrk="0" hangingPunct="1">
         <a:spcBef>
           <a:spcPct val="20000"/>
         </a:spcBef>
         <a:buFont typeface="Arial"/>
         <a:buChar char="•"/>
-        <a:defRPr sz="2000" kern="1200">
+        <a:defRPr sz="1500" kern="1200">
           <a:solidFill>
             <a:schemeClr val="tx1"/>
           </a:solidFill>
@@ -713,13 +605,13 @@
           <a:cs typeface="+mn-cs"/>
         </a:defRPr>
       </a:lvl6pPr>
-      <a:lvl7pPr marL="2971800" indent="-228600" algn="l" defTabSz="457200" rtl="0" eaLnBrk="1" latinLnBrk="0" hangingPunct="1">
+      <a:lvl7pPr marL="2228850" indent="-171450" algn="l" defTabSz="342900" rtl="0" eaLnBrk="1" latinLnBrk="0" hangingPunct="1">
         <a:spcBef>
           <a:spcPct val="20000"/>
         </a:spcBef>
         <a:buFont typeface="Arial"/>
         <a:buChar char="•"/>
-        <a:defRPr sz="2000" kern="1200">
+        <a:defRPr sz="1500" kern="1200">
           <a:solidFill>
             <a:schemeClr val="tx1"/>
           </a:solidFill>
@@ -728,13 +620,13 @@
           <a:cs typeface="+mn-cs"/>
         </a:defRPr>
       </a:lvl7pPr>
-      <a:lvl8pPr marL="3429000" indent="-228600" algn="l" defTabSz="457200" rtl="0" eaLnBrk="1" latinLnBrk="0" hangingPunct="1">
+      <a:lvl8pPr marL="2571750" indent="-171450" algn="l" defTabSz="342900" rtl="0" eaLnBrk="1" latinLnBrk="0" hangingPunct="1">
         <a:spcBef>
           <a:spcPct val="20000"/>
         </a:spcBef>
         <a:buFont typeface="Arial"/>
         <a:buChar char="•"/>
-        <a:defRPr sz="2000" kern="1200">
+        <a:defRPr sz="1500" kern="1200">
           <a:solidFill>
             <a:schemeClr val="tx1"/>
           </a:solidFill>
@@ -743,13 +635,13 @@
           <a:cs typeface="+mn-cs"/>
         </a:defRPr>
       </a:lvl8pPr>
-      <a:lvl9pPr marL="3886200" indent="-228600" algn="l" defTabSz="457200" rtl="0" eaLnBrk="1" latinLnBrk="0" hangingPunct="1">
+      <a:lvl9pPr marL="2914650" indent="-171450" algn="l" defTabSz="342900" rtl="0" eaLnBrk="1" latinLnBrk="0" hangingPunct="1">
         <a:spcBef>
           <a:spcPct val="20000"/>
         </a:spcBef>
         <a:buFont typeface="Arial"/>
         <a:buChar char="•"/>
-        <a:defRPr sz="2000" kern="1200">
+        <a:defRPr sz="1500" kern="1200">
           <a:solidFill>
             <a:schemeClr val="tx1"/>
           </a:solidFill>
@@ -763,8 +655,8 @@
       <a:defPPr>
         <a:defRPr lang="en-US"/>
       </a:defPPr>
-      <a:lvl1pPr marL="0" algn="l" defTabSz="457200" rtl="0" eaLnBrk="1" latinLnBrk="0" hangingPunct="1">
-        <a:defRPr sz="1800" kern="1200">
+      <a:lvl1pPr marL="0" algn="l" defTabSz="342900" rtl="0" eaLnBrk="1" latinLnBrk="0" hangingPunct="1">
+        <a:defRPr sz="1350" kern="1200">
           <a:solidFill>
             <a:schemeClr val="tx1"/>
           </a:solidFill>
@@ -773,8 +665,8 @@
           <a:cs typeface="+mn-cs"/>
         </a:defRPr>
       </a:lvl1pPr>
-      <a:lvl2pPr marL="457200" algn="l" defTabSz="457200" rtl="0" eaLnBrk="1" latinLnBrk="0" hangingPunct="1">
-        <a:defRPr sz="1800" kern="1200">
+      <a:lvl2pPr marL="342900" algn="l" defTabSz="342900" rtl="0" eaLnBrk="1" latinLnBrk="0" hangingPunct="1">
+        <a:defRPr sz="1350" kern="1200">
           <a:solidFill>
             <a:schemeClr val="tx1"/>
           </a:solidFill>
@@ -783,8 +675,8 @@
           <a:cs typeface="+mn-cs"/>
         </a:defRPr>
       </a:lvl2pPr>
-      <a:lvl3pPr marL="914400" algn="l" defTabSz="457200" rtl="0" eaLnBrk="1" latinLnBrk="0" hangingPunct="1">
-        <a:defRPr sz="1800" kern="1200">
+      <a:lvl3pPr marL="685800" algn="l" defTabSz="342900" rtl="0" eaLnBrk="1" latinLnBrk="0" hangingPunct="1">
+        <a:defRPr sz="1350" kern="1200">
           <a:solidFill>
             <a:schemeClr val="tx1"/>
           </a:solidFill>
@@ -793,8 +685,8 @@
           <a:cs typeface="+mn-cs"/>
         </a:defRPr>
       </a:lvl3pPr>
-      <a:lvl4pPr marL="1371600" algn="l" defTabSz="457200" rtl="0" eaLnBrk="1" latinLnBrk="0" hangingPunct="1">
-        <a:defRPr sz="1800" kern="1200">
+      <a:lvl4pPr marL="1028700" algn="l" defTabSz="342900" rtl="0" eaLnBrk="1" latinLnBrk="0" hangingPunct="1">
+        <a:defRPr sz="1350" kern="1200">
           <a:solidFill>
             <a:schemeClr val="tx1"/>
           </a:solidFill>
@@ -803,8 +695,8 @@
           <a:cs typeface="+mn-cs"/>
         </a:defRPr>
       </a:lvl4pPr>
-      <a:lvl5pPr marL="1828800" algn="l" defTabSz="457200" rtl="0" eaLnBrk="1" latinLnBrk="0" hangingPunct="1">
-        <a:defRPr sz="1800" kern="1200">
+      <a:lvl5pPr marL="1371600" algn="l" defTabSz="342900" rtl="0" eaLnBrk="1" latinLnBrk="0" hangingPunct="1">
+        <a:defRPr sz="1350" kern="1200">
           <a:solidFill>
             <a:schemeClr val="tx1"/>
           </a:solidFill>
@@ -813,8 +705,8 @@
           <a:cs typeface="+mn-cs"/>
         </a:defRPr>
       </a:lvl5pPr>
-      <a:lvl6pPr marL="2286000" algn="l" defTabSz="457200" rtl="0" eaLnBrk="1" latinLnBrk="0" hangingPunct="1">
-        <a:defRPr sz="1800" kern="1200">
+      <a:lvl6pPr marL="1714500" algn="l" defTabSz="342900" rtl="0" eaLnBrk="1" latinLnBrk="0" hangingPunct="1">
+        <a:defRPr sz="1350" kern="1200">
           <a:solidFill>
             <a:schemeClr val="tx1"/>
           </a:solidFill>
@@ -823,8 +715,8 @@
           <a:cs typeface="+mn-cs"/>
         </a:defRPr>
       </a:lvl6pPr>
-      <a:lvl7pPr marL="2743200" algn="l" defTabSz="457200" rtl="0" eaLnBrk="1" latinLnBrk="0" hangingPunct="1">
-        <a:defRPr sz="1800" kern="1200">
+      <a:lvl7pPr marL="2057400" algn="l" defTabSz="342900" rtl="0" eaLnBrk="1" latinLnBrk="0" hangingPunct="1">
+        <a:defRPr sz="1350" kern="1200">
           <a:solidFill>
             <a:schemeClr val="tx1"/>
           </a:solidFill>
@@ -833,8 +725,8 @@
           <a:cs typeface="+mn-cs"/>
         </a:defRPr>
       </a:lvl7pPr>
-      <a:lvl8pPr marL="3200400" algn="l" defTabSz="457200" rtl="0" eaLnBrk="1" latinLnBrk="0" hangingPunct="1">
-        <a:defRPr sz="1800" kern="1200">
+      <a:lvl8pPr marL="2400300" algn="l" defTabSz="342900" rtl="0" eaLnBrk="1" latinLnBrk="0" hangingPunct="1">
+        <a:defRPr sz="1350" kern="1200">
           <a:solidFill>
             <a:schemeClr val="tx1"/>
           </a:solidFill>
@@ -843,8 +735,8 @@
           <a:cs typeface="+mn-cs"/>
         </a:defRPr>
       </a:lvl8pPr>
-      <a:lvl9pPr marL="3657600" algn="l" defTabSz="457200" rtl="0" eaLnBrk="1" latinLnBrk="0" hangingPunct="1">
-        <a:defRPr sz="1800" kern="1200">
+      <a:lvl9pPr marL="2743200" algn="l" defTabSz="342900" rtl="0" eaLnBrk="1" latinLnBrk="0" hangingPunct="1">
+        <a:defRPr sz="1350" kern="1200">
           <a:solidFill>
             <a:schemeClr val="tx1"/>
           </a:solidFill>
@@ -899,76 +791,16 @@
         <a:srgbClr val="800080"/>
       </a:folHlink>
     </a:clrScheme>
-    <a:fontScheme name="Office">
+    <a:fontScheme name="사용자 지정 1">
       <a:majorFont>
-        <a:latin typeface="맑은 고딕" panose="020F0302020204030204"/>
-        <a:ea typeface=""/>
+        <a:latin typeface="Daum_SemiBold"/>
+        <a:ea typeface="Daum_SemiBold"/>
         <a:cs typeface=""/>
-        <a:font script="Jpan" typeface="游ゴシック Light"/>
-        <a:font script="Hang" typeface="맑은 고딕"/>
-        <a:font script="Hans" typeface="等线 Light"/>
-        <a:font script="Hant" typeface="新細明體"/>
-        <a:font script="Arab" typeface="Times New Roman"/>
-        <a:font script="Hebr" typeface="Times New Roman"/>
-        <a:font script="Thai" typeface="Angsana New"/>
-        <a:font script="Ethi" typeface="Nyala"/>
-        <a:font script="Beng" typeface="Vrinda"/>
-        <a:font script="Gujr" typeface="Shruti"/>
-        <a:font script="Khmr" typeface="MoolBoran"/>
-        <a:font script="Knda" typeface="Tunga"/>
-        <a:font script="Guru" typeface="Raavi"/>
-        <a:font script="Cans" typeface="Euphemia"/>
-        <a:font script="Cher" typeface="Plantagenet Cherokee"/>
-        <a:font script="Yiii" typeface="Microsoft Yi Baiti"/>
-        <a:font script="Tibt" typeface="Microsoft Himalaya"/>
-        <a:font script="Thaa" typeface="MV Boli"/>
-        <a:font script="Deva" typeface="Mangal"/>
-        <a:font script="Telu" typeface="Gautami"/>
-        <a:font script="Taml" typeface="Latha"/>
-        <a:font script="Syrc" typeface="Estrangelo Edessa"/>
-        <a:font script="Orya" typeface="Kalinga"/>
-        <a:font script="Mlym" typeface="Kartika"/>
-        <a:font script="Laoo" typeface="DokChampa"/>
-        <a:font script="Sinh" typeface="Iskoola Pota"/>
-        <a:font script="Mong" typeface="Mongolian Baiti"/>
-        <a:font script="Viet" typeface="Times New Roman"/>
-        <a:font script="Uigh" typeface="Microsoft Uighur"/>
-        <a:font script="Geor" typeface="Sylfaen"/>
       </a:majorFont>
       <a:minorFont>
-        <a:latin typeface="맑은 고딕" panose="020F0502020204030204"/>
-        <a:ea typeface=""/>
+        <a:latin typeface="Daum_SemiBold"/>
+        <a:ea typeface="Daum_SemiBold"/>
         <a:cs typeface=""/>
-        <a:font script="Jpan" typeface="游ゴシック"/>
-        <a:font script="Hang" typeface="맑은 고딕"/>
-        <a:font script="Hans" typeface="等线"/>
-        <a:font script="Hant" typeface="新細明體"/>
-        <a:font script="Arab" typeface="Arial"/>
-        <a:font script="Hebr" typeface="Arial"/>
-        <a:font script="Thai" typeface="Cordia New"/>
-        <a:font script="Ethi" typeface="Nyala"/>
-        <a:font script="Beng" typeface="Vrinda"/>
-        <a:font script="Gujr" typeface="Shruti"/>
-        <a:font script="Khmr" typeface="DaunPenh"/>
-        <a:font script="Knda" typeface="Tunga"/>
-        <a:font script="Guru" typeface="Raavi"/>
-        <a:font script="Cans" typeface="Euphemia"/>
-        <a:font script="Cher" typeface="Plantagenet Cherokee"/>
-        <a:font script="Yiii" typeface="Microsoft Yi Baiti"/>
-        <a:font script="Tibt" typeface="Microsoft Himalaya"/>
-        <a:font script="Thaa" typeface="MV Boli"/>
-        <a:font script="Deva" typeface="Mangal"/>
-        <a:font script="Telu" typeface="Gautami"/>
-        <a:font script="Taml" typeface="Latha"/>
-        <a:font script="Syrc" typeface="Estrangelo Edessa"/>
-        <a:font script="Orya" typeface="Kalinga"/>
-        <a:font script="Mlym" typeface="Kartika"/>
-        <a:font script="Laoo" typeface="DokChampa"/>
-        <a:font script="Sinh" typeface="Iskoola Pota"/>
-        <a:font script="Mong" typeface="Mongolian Baiti"/>
-        <a:font script="Viet" typeface="Arial"/>
-        <a:font script="Uigh" typeface="Microsoft Uighur"/>
-        <a:font script="Geor" typeface="Sylfaen"/>
       </a:minorFont>
     </a:fontScheme>
     <a:fmtScheme name="Office">

--- a/template.pptx
+++ b/template.pptx
@@ -153,14 +153,29 @@
             <p:ph type="title" hasCustomPrompt="1"/>
           </p:nvPr>
         </p:nvSpPr>
-        <p:spPr/>
+        <p:spPr>
+          <a:ln w="19050">
+            <a:noFill/>
+          </a:ln>
+        </p:spPr>
         <p:txBody>
           <a:bodyPr>
             <a:normAutofit/>
           </a:bodyPr>
           <a:lstStyle>
             <a:lvl1pPr algn="l">
-              <a:defRPr sz="2700"/>
+              <a:defRPr sz="2700">
+                <a:ln w="15875">
+                  <a:solidFill>
+                    <a:schemeClr val="bg2">
+                      <a:lumMod val="10000"/>
+                    </a:schemeClr>
+                  </a:solidFill>
+                </a:ln>
+                <a:solidFill>
+                  <a:schemeClr val="tx1"/>
+                </a:solidFill>
+              </a:defRPr>
             </a:lvl1pPr>
           </a:lstStyle>
           <a:p>
@@ -224,7 +239,15 @@
           </a:bodyPr>
           <a:lstStyle>
             <a:lvl1pPr>
-              <a:defRPr sz="3600"/>
+              <a:defRPr sz="3600">
+                <a:ln w="19050">
+                  <a:solidFill>
+                    <a:schemeClr val="bg2">
+                      <a:lumMod val="10000"/>
+                    </a:schemeClr>
+                  </a:solidFill>
+                </a:ln>
+              </a:defRPr>
             </a:lvl1pPr>
           </a:lstStyle>
           <a:p>

--- a/template.pptx
+++ b/template.pptx
@@ -175,6 +175,13 @@
                 <a:solidFill>
                   <a:schemeClr val="tx1"/>
                 </a:solidFill>
+                <a:effectLst>
+                  <a:outerShdw blurRad="38100" dist="38100" dir="2700000" algn="tl">
+                    <a:srgbClr val="000000">
+                      <a:alpha val="43137"/>
+                    </a:srgbClr>
+                  </a:outerShdw>
+                </a:effectLst>
               </a:defRPr>
             </a:lvl1pPr>
           </a:lstStyle>
@@ -197,6 +204,13 @@
   <p:clrMapOvr>
     <a:masterClrMapping/>
   </p:clrMapOvr>
+  <p:timing>
+    <p:tnLst>
+      <p:par>
+        <p:cTn id="1" dur="indefinite" restart="never" nodeType="tmRoot"/>
+      </p:par>
+    </p:tnLst>
+  </p:timing>
 </p:sldLayout>
 </file>
 
@@ -247,6 +261,13 @@
                     </a:schemeClr>
                   </a:solidFill>
                 </a:ln>
+                <a:effectLst>
+                  <a:outerShdw blurRad="38100" dist="38100" dir="2700000" algn="tl">
+                    <a:srgbClr val="000000">
+                      <a:alpha val="43137"/>
+                    </a:srgbClr>
+                  </a:outerShdw>
+                </a:effectLst>
               </a:defRPr>
             </a:lvl1pPr>
           </a:lstStyle>
@@ -268,6 +289,13 @@
   <p:clrMapOvr>
     <a:masterClrMapping/>
   </p:clrMapOvr>
+  <p:timing>
+    <p:tnLst>
+      <p:par>
+        <p:cTn id="1" dur="indefinite" restart="never" nodeType="tmRoot"/>
+      </p:par>
+    </p:tnLst>
+  </p:timing>
 </p:sldLayout>
 </file>
 
@@ -424,7 +452,7 @@
           <a:p>
             <a:fld id="{22D88EAC-A254-45F7-997A-468C1FF9E595}" type="datetimeFigureOut">
               <a:rPr lang="ko-KR" altLang="en-US" smtClean="0"/>
-              <a:t>2022-12-24</a:t>
+              <a:t>2023-03-19</a:t>
             </a:fld>
             <a:endParaRPr lang="ko-KR" altLang="en-US"/>
           </a:p>
@@ -520,6 +548,13 @@
     <p:sldLayoutId id="2147483651" r:id="rId1"/>
     <p:sldLayoutId id="2147483654" r:id="rId2"/>
   </p:sldLayoutIdLst>
+  <p:timing>
+    <p:tnLst>
+      <p:par>
+        <p:cTn id="1" dur="indefinite" restart="never" nodeType="tmRoot"/>
+      </p:par>
+    </p:tnLst>
+  </p:timing>
   <p:txStyles>
     <p:titleStyle>
       <a:lvl1pPr algn="ctr" defTabSz="342900" rtl="0" eaLnBrk="1" latinLnBrk="0" hangingPunct="1">
